--- a/20141210-intro_to_the_raspberry_pi.pptx
+++ b/20141210-intro_to_the_raspberry_pi.pptx
@@ -206,7 +206,7 @@
           <a:p>
             <a:fld id="{740616EA-7DD0-4941-A75A-3667382BAFA7}" type="datetimeFigureOut">
               <a:rPr lang="en-AU" smtClean="0"/>
-              <a:t>9/12/2014</a:t>
+              <a:t>6/06/2016</a:t>
             </a:fld>
             <a:endParaRPr lang="en-AU"/>
           </a:p>
@@ -372,7 +372,7 @@
           <a:p>
             <a:fld id="{587278A0-4A02-4D4B-A8AB-1E1752F8063F}" type="datetimeFigureOut">
               <a:rPr lang="en-AU" smtClean="0"/>
-              <a:t>9/12/2014</a:t>
+              <a:t>6/06/2016</a:t>
             </a:fld>
             <a:endParaRPr lang="en-AU"/>
           </a:p>
@@ -1452,7 +1452,7 @@
           <a:p>
             <a:fld id="{0EAB0777-4C60-462E-A92C-CDAFD498799C}" type="datetimeFigureOut">
               <a:rPr lang="en-US" smtClean="0"/>
-              <a:t>12/9/2014</a:t>
+              <a:t>6/6/2016</a:t>
             </a:fld>
             <a:endParaRPr lang="en-US"/>
           </a:p>
@@ -1621,7 +1621,7 @@
           <a:p>
             <a:fld id="{0EAB0777-4C60-462E-A92C-CDAFD498799C}" type="datetimeFigureOut">
               <a:rPr lang="en-US" smtClean="0"/>
-              <a:t>12/9/2014</a:t>
+              <a:t>6/6/2016</a:t>
             </a:fld>
             <a:endParaRPr lang="en-US"/>
           </a:p>
@@ -1867,7 +1867,7 @@
           <a:p>
             <a:fld id="{0EAB0777-4C60-462E-A92C-CDAFD498799C}" type="datetimeFigureOut">
               <a:rPr lang="en-US" smtClean="0"/>
-              <a:t>12/9/2014</a:t>
+              <a:t>6/6/2016</a:t>
             </a:fld>
             <a:endParaRPr lang="en-US"/>
           </a:p>
@@ -2135,7 +2135,7 @@
           <a:p>
             <a:fld id="{0EAB0777-4C60-462E-A92C-CDAFD498799C}" type="datetimeFigureOut">
               <a:rPr lang="en-US" smtClean="0"/>
-              <a:t>12/9/2014</a:t>
+              <a:t>6/6/2016</a:t>
             </a:fld>
             <a:endParaRPr lang="en-US"/>
           </a:p>
@@ -2517,7 +2517,7 @@
           <a:p>
             <a:fld id="{0EAB0777-4C60-462E-A92C-CDAFD498799C}" type="datetimeFigureOut">
               <a:rPr lang="en-US" smtClean="0"/>
-              <a:t>12/9/2014</a:t>
+              <a:t>6/6/2016</a:t>
             </a:fld>
             <a:endParaRPr lang="en-US"/>
           </a:p>
@@ -2671,7 +2671,7 @@
           <a:p>
             <a:fld id="{0EAB0777-4C60-462E-A92C-CDAFD498799C}" type="datetimeFigureOut">
               <a:rPr lang="en-US" smtClean="0"/>
-              <a:t>12/9/2014</a:t>
+              <a:t>6/6/2016</a:t>
             </a:fld>
             <a:endParaRPr lang="en-US"/>
           </a:p>
@@ -2765,7 +2765,7 @@
           <a:p>
             <a:fld id="{0EAB0777-4C60-462E-A92C-CDAFD498799C}" type="datetimeFigureOut">
               <a:rPr lang="en-US" smtClean="0"/>
-              <a:t>12/9/2014</a:t>
+              <a:t>6/6/2016</a:t>
             </a:fld>
             <a:endParaRPr lang="en-US"/>
           </a:p>
@@ -3030,7 +3030,7 @@
           <a:p>
             <a:fld id="{0EAB0777-4C60-462E-A92C-CDAFD498799C}" type="datetimeFigureOut">
               <a:rPr lang="en-US" smtClean="0"/>
-              <a:t>12/9/2014</a:t>
+              <a:t>6/6/2016</a:t>
             </a:fld>
             <a:endParaRPr lang="en-US"/>
           </a:p>
@@ -3513,7 +3513,7 @@
           <a:p>
             <a:fld id="{0EAB0777-4C60-462E-A92C-CDAFD498799C}" type="datetimeFigureOut">
               <a:rPr lang="en-US" smtClean="0"/>
-              <a:t>12/9/2014</a:t>
+              <a:t>6/6/2016</a:t>
             </a:fld>
             <a:endParaRPr lang="en-US"/>
           </a:p>
@@ -3989,7 +3989,7 @@
           <a:p>
             <a:fld id="{0EAB0777-4C60-462E-A92C-CDAFD498799C}" type="datetimeFigureOut">
               <a:rPr lang="en-US" smtClean="0"/>
-              <a:t>12/9/2014</a:t>
+              <a:t>6/6/2016</a:t>
             </a:fld>
             <a:endParaRPr lang="en-US"/>
           </a:p>
@@ -4168,7 +4168,7 @@
           <a:p>
             <a:fld id="{0EAB0777-4C60-462E-A92C-CDAFD498799C}" type="datetimeFigureOut">
               <a:rPr lang="en-US" smtClean="0"/>
-              <a:t>12/9/2014</a:t>
+              <a:t>6/6/2016</a:t>
             </a:fld>
             <a:endParaRPr lang="en-US"/>
           </a:p>
@@ -6811,7 +6811,7 @@
           <a:p>
             <a:fld id="{0EAB0777-4C60-462E-A92C-CDAFD498799C}" type="datetimeFigureOut">
               <a:rPr lang="en-US" smtClean="0"/>
-              <a:t>12/9/2014</a:t>
+              <a:t>6/6/2016</a:t>
             </a:fld>
             <a:endParaRPr lang="en-US"/>
           </a:p>
@@ -9508,13 +9508,10 @@
               <a:t> server </a:t>
             </a:r>
             <a:r>
-              <a:rPr lang="en-AU" dirty="0" err="1"/>
-              <a:t>etc</a:t>
-            </a:r>
-            <a:r>
-              <a:rPr lang="en-AU" dirty="0"/>
-              <a:t>)</a:t>
-            </a:r>
+              <a:rPr lang="en-AU" dirty="0" smtClean="0"/>
+              <a:t>etc.)</a:t>
+            </a:r>
+            <a:endParaRPr lang="en-AU" dirty="0"/>
           </a:p>
           <a:p>
             <a:pPr lvl="1"/>
